--- a/tutorials/pipelines/tut_nn_con_bud_cla/vector files/fig04_big.pptx
+++ b/tutorials/pipelines/tut_nn_con_bud_cla/vector files/fig04_big.pptx
@@ -2973,35 +2973,146 @@
           <a:chExt cx="0" cy="0"/>
         </a:xfrm>
       </p:grpSpPr>
-      <p:pic>
-        <p:nvPicPr>
-          <p:cNvPr id="9" name="Picture 8">
+      <p:grpSp>
+        <p:nvGrpSpPr>
+          <p:cNvPr id="2" name="Group 1">
             <a:extLst>
               <a:ext uri="{FF2B5EF4-FFF2-40B4-BE49-F238E27FC236}">
-                <a16:creationId xmlns:a16="http://schemas.microsoft.com/office/drawing/2014/main" id="{A2CC35CA-FF51-487B-D4E9-8B72A2082513}"/>
+                <a16:creationId xmlns:a16="http://schemas.microsoft.com/office/drawing/2014/main" id="{8675A152-9D69-73B4-269D-9AC100D97E37}"/>
               </a:ext>
             </a:extLst>
           </p:cNvPr>
-          <p:cNvPicPr>
-            <a:picLocks noChangeAspect="1"/>
-          </p:cNvPicPr>
+          <p:cNvGrpSpPr/>
           <p:nvPr/>
-        </p:nvPicPr>
-        <p:blipFill rotWithShape="1">
-          <a:blip r:embed="rId2"/>
-          <a:srcRect l="1" r="1260" b="2207"/>
-          <a:stretch/>
-        </p:blipFill>
-        <p:spPr>
+        </p:nvGrpSpPr>
+        <p:grpSpPr>
           <a:xfrm>
-            <a:off x="4457021" y="-15239"/>
-            <a:ext cx="4350438" cy="4731172"/>
+            <a:off x="-2527" y="-15239"/>
+            <a:ext cx="8809986" cy="5501639"/>
+            <a:chOff x="-2527" y="-15239"/>
+            <a:chExt cx="8809986" cy="5501639"/>
           </a:xfrm>
-          <a:prstGeom prst="rect">
-            <a:avLst/>
-          </a:prstGeom>
-        </p:spPr>
-      </p:pic>
+        </p:grpSpPr>
+        <p:pic>
+          <p:nvPicPr>
+            <p:cNvPr id="9" name="Picture 8">
+              <a:extLst>
+                <a:ext uri="{FF2B5EF4-FFF2-40B4-BE49-F238E27FC236}">
+                  <a16:creationId xmlns:a16="http://schemas.microsoft.com/office/drawing/2014/main" id="{A2CC35CA-FF51-487B-D4E9-8B72A2082513}"/>
+                </a:ext>
+              </a:extLst>
+            </p:cNvPr>
+            <p:cNvPicPr>
+              <a:picLocks noChangeAspect="1"/>
+            </p:cNvPicPr>
+            <p:nvPr/>
+          </p:nvPicPr>
+          <p:blipFill rotWithShape="1">
+            <a:blip r:embed="rId2"/>
+            <a:srcRect l="1" r="1260" b="2207"/>
+            <a:stretch/>
+          </p:blipFill>
+          <p:spPr>
+            <a:xfrm>
+              <a:off x="4457021" y="-15239"/>
+              <a:ext cx="4350438" cy="4731172"/>
+            </a:xfrm>
+            <a:prstGeom prst="rect">
+              <a:avLst/>
+            </a:prstGeom>
+          </p:spPr>
+        </p:pic>
+        <p:pic>
+          <p:nvPicPr>
+            <p:cNvPr id="3" name="Picture 2">
+              <a:extLst>
+                <a:ext uri="{FF2B5EF4-FFF2-40B4-BE49-F238E27FC236}">
+                  <a16:creationId xmlns:a16="http://schemas.microsoft.com/office/drawing/2014/main" id="{5998F4C7-AE4B-5ED8-645E-CBD622ED133C}"/>
+                </a:ext>
+              </a:extLst>
+            </p:cNvPr>
+            <p:cNvPicPr>
+              <a:picLocks noChangeAspect="1"/>
+            </p:cNvPicPr>
+            <p:nvPr/>
+          </p:nvPicPr>
+          <p:blipFill>
+            <a:blip r:embed="rId3"/>
+            <a:stretch>
+              <a:fillRect/>
+            </a:stretch>
+          </p:blipFill>
+          <p:spPr>
+            <a:xfrm>
+              <a:off x="-2527" y="0"/>
+              <a:ext cx="2199989" cy="4591281"/>
+            </a:xfrm>
+            <a:prstGeom prst="rect">
+              <a:avLst/>
+            </a:prstGeom>
+          </p:spPr>
+        </p:pic>
+        <p:pic>
+          <p:nvPicPr>
+            <p:cNvPr id="7" name="Picture 6">
+              <a:extLst>
+                <a:ext uri="{FF2B5EF4-FFF2-40B4-BE49-F238E27FC236}">
+                  <a16:creationId xmlns:a16="http://schemas.microsoft.com/office/drawing/2014/main" id="{FC6A59DF-0A2E-8CD6-032F-BD91572D85F7}"/>
+                </a:ext>
+              </a:extLst>
+            </p:cNvPr>
+            <p:cNvPicPr>
+              <a:picLocks noChangeAspect="1"/>
+            </p:cNvPicPr>
+            <p:nvPr/>
+          </p:nvPicPr>
+          <p:blipFill>
+            <a:blip r:embed="rId4"/>
+            <a:stretch>
+              <a:fillRect/>
+            </a:stretch>
+          </p:blipFill>
+          <p:spPr>
+            <a:xfrm>
+              <a:off x="2168588" y="0"/>
+              <a:ext cx="2308753" cy="4590183"/>
+            </a:xfrm>
+            <a:prstGeom prst="rect">
+              <a:avLst/>
+            </a:prstGeom>
+          </p:spPr>
+        </p:pic>
+        <p:pic>
+          <p:nvPicPr>
+            <p:cNvPr id="5" name="Picture 4">
+              <a:extLst>
+                <a:ext uri="{FF2B5EF4-FFF2-40B4-BE49-F238E27FC236}">
+                  <a16:creationId xmlns:a16="http://schemas.microsoft.com/office/drawing/2014/main" id="{134D34FD-3315-1AE6-A248-88410446C4D3}"/>
+                </a:ext>
+              </a:extLst>
+            </p:cNvPr>
+            <p:cNvPicPr>
+              <a:picLocks noChangeAspect="1"/>
+            </p:cNvPicPr>
+            <p:nvPr/>
+          </p:nvPicPr>
+          <p:blipFill>
+            <a:blip r:embed="rId5"/>
+            <a:stretch>
+              <a:fillRect/>
+            </a:stretch>
+          </p:blipFill>
+          <p:spPr>
+            <a:xfrm>
+              <a:off x="0" y="3301024"/>
+              <a:ext cx="4615586" cy="2185376"/>
+            </a:xfrm>
+            <a:prstGeom prst="rect">
+              <a:avLst/>
+            </a:prstGeom>
+          </p:spPr>
+        </p:pic>
+      </p:grpSp>
       <p:sp>
         <p:nvSpPr>
           <p:cNvPr id="20" name="Oval 19">
@@ -3085,7 +3196,7 @@
         </p:nvSpPr>
         <p:spPr>
           <a:xfrm>
-            <a:off x="789001" y="3980370"/>
+            <a:off x="1196044" y="3858668"/>
             <a:ext cx="508512" cy="508512"/>
           </a:xfrm>
           <a:prstGeom prst="ellipse">
@@ -3150,8 +3261,8 @@
         </p:nvSpPr>
         <p:spPr>
           <a:xfrm>
-            <a:off x="1866814" y="2562214"/>
-            <a:ext cx="1729054" cy="292746"/>
+            <a:off x="2197461" y="2972886"/>
+            <a:ext cx="2191975" cy="327039"/>
           </a:xfrm>
           <a:prstGeom prst="rect">
             <a:avLst/>
@@ -3205,7 +3316,7 @@
         </p:nvSpPr>
         <p:spPr>
           <a:xfrm>
-            <a:off x="3036778" y="2163189"/>
+            <a:off x="3599753" y="2388757"/>
             <a:ext cx="508512" cy="508512"/>
           </a:xfrm>
           <a:prstGeom prst="ellipse">
@@ -3256,96 +3367,6 @@
           </a:p>
         </p:txBody>
       </p:sp>
-      <p:pic>
-        <p:nvPicPr>
-          <p:cNvPr id="3" name="Picture 2">
-            <a:extLst>
-              <a:ext uri="{FF2B5EF4-FFF2-40B4-BE49-F238E27FC236}">
-                <a16:creationId xmlns:a16="http://schemas.microsoft.com/office/drawing/2014/main" id="{5998F4C7-AE4B-5ED8-645E-CBD622ED133C}"/>
-              </a:ext>
-            </a:extLst>
-          </p:cNvPr>
-          <p:cNvPicPr>
-            <a:picLocks noChangeAspect="1"/>
-          </p:cNvPicPr>
-          <p:nvPr/>
-        </p:nvPicPr>
-        <p:blipFill>
-          <a:blip r:embed="rId3"/>
-          <a:stretch>
-            <a:fillRect/>
-          </a:stretch>
-        </p:blipFill>
-        <p:spPr>
-          <a:xfrm>
-            <a:off x="-2527" y="0"/>
-            <a:ext cx="2199989" cy="4591281"/>
-          </a:xfrm>
-          <a:prstGeom prst="rect">
-            <a:avLst/>
-          </a:prstGeom>
-        </p:spPr>
-      </p:pic>
-      <p:pic>
-        <p:nvPicPr>
-          <p:cNvPr id="7" name="Picture 6">
-            <a:extLst>
-              <a:ext uri="{FF2B5EF4-FFF2-40B4-BE49-F238E27FC236}">
-                <a16:creationId xmlns:a16="http://schemas.microsoft.com/office/drawing/2014/main" id="{FC6A59DF-0A2E-8CD6-032F-BD91572D85F7}"/>
-              </a:ext>
-            </a:extLst>
-          </p:cNvPr>
-          <p:cNvPicPr>
-            <a:picLocks noChangeAspect="1"/>
-          </p:cNvPicPr>
-          <p:nvPr/>
-        </p:nvPicPr>
-        <p:blipFill>
-          <a:blip r:embed="rId4"/>
-          <a:stretch>
-            <a:fillRect/>
-          </a:stretch>
-        </p:blipFill>
-        <p:spPr>
-          <a:xfrm>
-            <a:off x="2168588" y="0"/>
-            <a:ext cx="2308753" cy="4590183"/>
-          </a:xfrm>
-          <a:prstGeom prst="rect">
-            <a:avLst/>
-          </a:prstGeom>
-        </p:spPr>
-      </p:pic>
-      <p:pic>
-        <p:nvPicPr>
-          <p:cNvPr id="5" name="Picture 4">
-            <a:extLst>
-              <a:ext uri="{FF2B5EF4-FFF2-40B4-BE49-F238E27FC236}">
-                <a16:creationId xmlns:a16="http://schemas.microsoft.com/office/drawing/2014/main" id="{134D34FD-3315-1AE6-A248-88410446C4D3}"/>
-              </a:ext>
-            </a:extLst>
-          </p:cNvPr>
-          <p:cNvPicPr>
-            <a:picLocks noChangeAspect="1"/>
-          </p:cNvPicPr>
-          <p:nvPr/>
-        </p:nvPicPr>
-        <p:blipFill>
-          <a:blip r:embed="rId5"/>
-          <a:stretch>
-            <a:fillRect/>
-          </a:stretch>
-        </p:blipFill>
-        <p:spPr>
-          <a:xfrm>
-            <a:off x="0" y="3301024"/>
-            <a:ext cx="4615586" cy="2185376"/>
-          </a:xfrm>
-          <a:prstGeom prst="rect">
-            <a:avLst/>
-          </a:prstGeom>
-        </p:spPr>
-      </p:pic>
     </p:spTree>
     <p:extLst>
       <p:ext uri="{BB962C8B-B14F-4D97-AF65-F5344CB8AC3E}">
